--- a/Diapos-Proteus-Code-V2-Corrigée-04072024.pptx
+++ b/Diapos-Proteus-Code-V2-Corrigée-04072024.pptx
@@ -245,7 +245,7 @@
             <a:pPr rtl="0"/>
             <a:fld id="{959F922E-7945-432A-9D31-3F9D57CB5C5C}" type="datetime1">
               <a:rPr lang="fr-FR" smtClean="0"/>
-              <a:t>04/07/2024</a:t>
+              <a:t>03/10/2024</a:t>
             </a:fld>
             <a:endParaRPr lang="fr-FR"/>
           </a:p>
@@ -427,7 +427,7 @@
             <a:pPr rtl="0"/>
             <a:fld id="{7DA65FAC-8D00-4B8B-BF17-28514BAF2ABF}" type="datetime1">
               <a:rPr lang="fr-FR" noProof="0" smtClean="0"/>
-              <a:t>04/07/2024</a:t>
+              <a:t>03/10/2024</a:t>
             </a:fld>
             <a:endParaRPr lang="fr-FR" noProof="0"/>
           </a:p>
@@ -29075,30 +29075,12 @@
           </a:p>
         </p:txBody>
       </p:sp>
-      <p:sp>
-        <p:nvSpPr>
-          <p:cNvPr id="9" name="Espace réservé pour une image  8">
-            <a:extLst>
-              <a:ext uri="{FF2B5EF4-FFF2-40B4-BE49-F238E27FC236}">
-                <a16:creationId xmlns:a16="http://schemas.microsoft.com/office/drawing/2014/main" id="{FB64BFD5-FF2B-CF40-BA3C-8DB54D7E51B1}"/>
-              </a:ext>
-            </a:extLst>
-          </p:cNvPr>
-          <p:cNvSpPr>
-            <a:spLocks noGrp="1"/>
-          </p:cNvSpPr>
-          <p:nvPr>
-            <p:ph type="pic" sz="quarter" idx="13"/>
-          </p:nvPr>
-        </p:nvSpPr>
-        <p:spPr/>
-      </p:sp>
       <p:pic>
         <p:nvPicPr>
-          <p:cNvPr id="13" name="Image 12">
-            <a:extLst>
-              <a:ext uri="{FF2B5EF4-FFF2-40B4-BE49-F238E27FC236}">
-                <a16:creationId xmlns:a16="http://schemas.microsoft.com/office/drawing/2014/main" id="{459747C7-72F1-66C3-3CCA-98E889B8BCF3}"/>
+          <p:cNvPr id="2" name="Image 1">
+            <a:extLst>
+              <a:ext uri="{FF2B5EF4-FFF2-40B4-BE49-F238E27FC236}">
+                <a16:creationId xmlns:a16="http://schemas.microsoft.com/office/drawing/2014/main" id="{BA637578-FBAD-26E8-F908-73002CDF254B}"/>
               </a:ext>
             </a:extLst>
           </p:cNvPr>
@@ -29115,8 +29097,41 @@
         </p:blipFill>
         <p:spPr>
           <a:xfrm>
-            <a:off x="110085" y="1233488"/>
-            <a:ext cx="10311386" cy="4391024"/>
+            <a:off x="3465948" y="4312218"/>
+            <a:ext cx="3641090" cy="2596515"/>
+          </a:xfrm>
+          <a:prstGeom prst="rect">
+            <a:avLst/>
+          </a:prstGeom>
+        </p:spPr>
+      </p:pic>
+      <p:pic>
+        <p:nvPicPr>
+          <p:cNvPr id="3" name="Espace réservé pour une image  2">
+            <a:extLst>
+              <a:ext uri="{FF2B5EF4-FFF2-40B4-BE49-F238E27FC236}">
+                <a16:creationId xmlns:a16="http://schemas.microsoft.com/office/drawing/2014/main" id="{E2BFFE84-A583-0A4D-EB16-2D33A67A04E7}"/>
+              </a:ext>
+            </a:extLst>
+          </p:cNvPr>
+          <p:cNvPicPr>
+            <a:picLocks noGrp="1" noChangeAspect="1"/>
+          </p:cNvPicPr>
+          <p:nvPr>
+            <p:ph type="pic" sz="quarter" idx="13"/>
+          </p:nvPr>
+        </p:nvPicPr>
+        <p:blipFill>
+          <a:blip r:embed="rId3"/>
+          <a:srcRect t="9073" b="9073"/>
+          <a:stretch>
+            <a:fillRect/>
+          </a:stretch>
+        </p:blipFill>
+        <p:spPr>
+          <a:xfrm>
+            <a:off x="115649" y="1619166"/>
+            <a:ext cx="7477457" cy="2693052"/>
           </a:xfrm>
           <a:prstGeom prst="rect">
             <a:avLst/>
